--- a/2. 발표자료/PC 조립 헬퍼.pptx
+++ b/2. 발표자료/PC 조립 헬퍼.pptx
@@ -112,6 +112,11 @@
       </a:defRPr>
     </a:lvl9pPr>
   </p:defaultTextStyle>
+  <p:extLst>
+    <p:ext uri="{EFAFB233-063F-42B5-8137-9DF3F51BA10A}">
+      <p15:sldGuideLst xmlns:p15="http://schemas.microsoft.com/office/powerpoint/2012/main"/>
+    </p:ext>
+  </p:extLst>
 </p:presentation>
 </file>
 
@@ -274,7 +279,7 @@
           <a:p>
             <a:fld id="{FFE81497-B371-43C6-A987-66206A817407}" type="datetimeFigureOut">
               <a:rPr lang="ko-KR" altLang="en-US" smtClean="0"/>
-              <a:t>2019-09-25</a:t>
+              <a:t>2019-09-26</a:t>
             </a:fld>
             <a:endParaRPr lang="ko-KR" altLang="en-US"/>
           </a:p>
@@ -472,7 +477,7 @@
           <a:p>
             <a:fld id="{FFE81497-B371-43C6-A987-66206A817407}" type="datetimeFigureOut">
               <a:rPr lang="ko-KR" altLang="en-US" smtClean="0"/>
-              <a:t>2019-09-25</a:t>
+              <a:t>2019-09-26</a:t>
             </a:fld>
             <a:endParaRPr lang="ko-KR" altLang="en-US"/>
           </a:p>
@@ -680,7 +685,7 @@
           <a:p>
             <a:fld id="{FFE81497-B371-43C6-A987-66206A817407}" type="datetimeFigureOut">
               <a:rPr lang="ko-KR" altLang="en-US" smtClean="0"/>
-              <a:t>2019-09-25</a:t>
+              <a:t>2019-09-26</a:t>
             </a:fld>
             <a:endParaRPr lang="ko-KR" altLang="en-US"/>
           </a:p>
@@ -878,7 +883,7 @@
           <a:p>
             <a:fld id="{FFE81497-B371-43C6-A987-66206A817407}" type="datetimeFigureOut">
               <a:rPr lang="ko-KR" altLang="en-US" smtClean="0"/>
-              <a:t>2019-09-25</a:t>
+              <a:t>2019-09-26</a:t>
             </a:fld>
             <a:endParaRPr lang="ko-KR" altLang="en-US"/>
           </a:p>
@@ -1153,7 +1158,7 @@
           <a:p>
             <a:fld id="{FFE81497-B371-43C6-A987-66206A817407}" type="datetimeFigureOut">
               <a:rPr lang="ko-KR" altLang="en-US" smtClean="0"/>
-              <a:t>2019-09-25</a:t>
+              <a:t>2019-09-26</a:t>
             </a:fld>
             <a:endParaRPr lang="ko-KR" altLang="en-US"/>
           </a:p>
@@ -1418,7 +1423,7 @@
           <a:p>
             <a:fld id="{FFE81497-B371-43C6-A987-66206A817407}" type="datetimeFigureOut">
               <a:rPr lang="ko-KR" altLang="en-US" smtClean="0"/>
-              <a:t>2019-09-25</a:t>
+              <a:t>2019-09-26</a:t>
             </a:fld>
             <a:endParaRPr lang="ko-KR" altLang="en-US"/>
           </a:p>
@@ -1830,7 +1835,7 @@
           <a:p>
             <a:fld id="{FFE81497-B371-43C6-A987-66206A817407}" type="datetimeFigureOut">
               <a:rPr lang="ko-KR" altLang="en-US" smtClean="0"/>
-              <a:t>2019-09-25</a:t>
+              <a:t>2019-09-26</a:t>
             </a:fld>
             <a:endParaRPr lang="ko-KR" altLang="en-US"/>
           </a:p>
@@ -1971,7 +1976,7 @@
           <a:p>
             <a:fld id="{FFE81497-B371-43C6-A987-66206A817407}" type="datetimeFigureOut">
               <a:rPr lang="ko-KR" altLang="en-US" smtClean="0"/>
-              <a:t>2019-09-25</a:t>
+              <a:t>2019-09-26</a:t>
             </a:fld>
             <a:endParaRPr lang="ko-KR" altLang="en-US"/>
           </a:p>
@@ -2084,7 +2089,7 @@
           <a:p>
             <a:fld id="{FFE81497-B371-43C6-A987-66206A817407}" type="datetimeFigureOut">
               <a:rPr lang="ko-KR" altLang="en-US" smtClean="0"/>
-              <a:t>2019-09-25</a:t>
+              <a:t>2019-09-26</a:t>
             </a:fld>
             <a:endParaRPr lang="ko-KR" altLang="en-US"/>
           </a:p>
@@ -2395,7 +2400,7 @@
           <a:p>
             <a:fld id="{FFE81497-B371-43C6-A987-66206A817407}" type="datetimeFigureOut">
               <a:rPr lang="ko-KR" altLang="en-US" smtClean="0"/>
-              <a:t>2019-09-25</a:t>
+              <a:t>2019-09-26</a:t>
             </a:fld>
             <a:endParaRPr lang="ko-KR" altLang="en-US"/>
           </a:p>
@@ -2683,7 +2688,7 @@
           <a:p>
             <a:fld id="{FFE81497-B371-43C6-A987-66206A817407}" type="datetimeFigureOut">
               <a:rPr lang="ko-KR" altLang="en-US" smtClean="0"/>
-              <a:t>2019-09-25</a:t>
+              <a:t>2019-09-26</a:t>
             </a:fld>
             <a:endParaRPr lang="ko-KR" altLang="en-US"/>
           </a:p>
@@ -2924,7 +2929,7 @@
           <a:p>
             <a:fld id="{FFE81497-B371-43C6-A987-66206A817407}" type="datetimeFigureOut">
               <a:rPr lang="ko-KR" altLang="en-US" smtClean="0"/>
-              <a:t>2019-09-25</a:t>
+              <a:t>2019-09-26</a:t>
             </a:fld>
             <a:endParaRPr lang="ko-KR" altLang="en-US"/>
           </a:p>
@@ -3874,6 +3879,53 @@
           </a:fontRef>
         </p:style>
       </p:cxnSp>
+      <p:pic>
+        <p:nvPicPr>
+          <p:cNvPr id="2050" name="Picture 2" descr="컴퓨터 조립에 대한 이미지 검색결과">
+            <a:extLst>
+              <a:ext uri="{FF2B5EF4-FFF2-40B4-BE49-F238E27FC236}">
+                <a16:creationId xmlns:a16="http://schemas.microsoft.com/office/drawing/2014/main" id="{0C710230-909A-44BE-AC48-A6243CFA7121}"/>
+              </a:ext>
+            </a:extLst>
+          </p:cNvPr>
+          <p:cNvPicPr>
+            <a:picLocks noChangeAspect="1" noChangeArrowheads="1"/>
+          </p:cNvPicPr>
+          <p:nvPr/>
+        </p:nvPicPr>
+        <p:blipFill>
+          <a:blip r:embed="rId2">
+            <a:extLst>
+              <a:ext uri="{28A0092B-C50C-407E-A947-70E740481C1C}">
+                <a14:useLocalDpi xmlns:a14="http://schemas.microsoft.com/office/drawing/2010/main" val="0"/>
+              </a:ext>
+            </a:extLst>
+          </a:blip>
+          <a:srcRect/>
+          <a:stretch>
+            <a:fillRect/>
+          </a:stretch>
+        </p:blipFill>
+        <p:spPr bwMode="auto">
+          <a:xfrm>
+            <a:off x="5038344" y="2088896"/>
+            <a:ext cx="7153656" cy="4769104"/>
+          </a:xfrm>
+          <a:prstGeom prst="rect">
+            <a:avLst/>
+          </a:prstGeom>
+          <a:noFill/>
+          <a:extLst>
+            <a:ext uri="{909E8E84-426E-40DD-AFC4-6F175D3DCCD1}">
+              <a14:hiddenFill xmlns:a14="http://schemas.microsoft.com/office/drawing/2010/main">
+                <a:solidFill>
+                  <a:srgbClr val="FFFFFF"/>
+                </a:solidFill>
+              </a14:hiddenFill>
+            </a:ext>
+          </a:extLst>
+        </p:spPr>
+      </p:pic>
     </p:spTree>
     <p:extLst>
       <p:ext uri="{BB962C8B-B14F-4D97-AF65-F5344CB8AC3E}">
@@ -5558,7 +5610,7 @@
           <a:graphicData uri="http://schemas.openxmlformats.org/presentationml/2006/ole">
             <mc:AlternateContent xmlns:mc="http://schemas.openxmlformats.org/markup-compatibility/2006">
               <mc:Choice xmlns:v="urn:schemas-microsoft-com:vml" Requires="v">
-                <p:oleObj spid="_x0000_s1028" name="비트맵 이미지" r:id="rId3" imgW="7152381" imgH="6152381" progId="Paint.Picture">
+                <p:oleObj spid="_x0000_s1029" name="비트맵 이미지" r:id="rId3" imgW="7152381" imgH="6152381" progId="Paint.Picture">
                   <p:embed/>
                 </p:oleObj>
               </mc:Choice>
